--- a/course slides/week_08.pptx
+++ b/course slides/week_08.pptx
@@ -202,7 +202,7 @@
           <a:p>
             <a:fld id="{E7BF058D-E663-3E48-99D5-AFD0BCA1823C}" type="datetimeFigureOut">
               <a:rPr lang="en-US" smtClean="0"/>
-              <a:t>9/27/20</a:t>
+              <a:t>10/19/22</a:t>
             </a:fld>
             <a:endParaRPr lang="en-US"/>
           </a:p>
@@ -1432,7 +1432,7 @@
           <a:p>
             <a:fld id="{78A61C02-5DDA-4742-BA9F-16C918E9CF6D}" type="datetime1">
               <a:rPr lang="en-US" smtClean="0"/>
-              <a:t>9/27/20</a:t>
+              <a:t>10/19/22</a:t>
             </a:fld>
             <a:endParaRPr lang="en-US"/>
           </a:p>
@@ -1630,7 +1630,7 @@
           <a:p>
             <a:fld id="{548886B6-90A8-3541-BA71-86E77F56DAB4}" type="datetime1">
               <a:rPr lang="en-US" smtClean="0"/>
-              <a:t>9/27/20</a:t>
+              <a:t>10/19/22</a:t>
             </a:fld>
             <a:endParaRPr lang="en-US"/>
           </a:p>
@@ -1838,7 +1838,7 @@
           <a:p>
             <a:fld id="{852FF3A3-1CCF-A84D-A287-5CAF30DE28F4}" type="datetime1">
               <a:rPr lang="en-US" smtClean="0"/>
-              <a:t>9/27/20</a:t>
+              <a:t>10/19/22</a:t>
             </a:fld>
             <a:endParaRPr lang="en-US"/>
           </a:p>
@@ -2036,7 +2036,7 @@
           <a:p>
             <a:fld id="{8C15019A-578B-EF42-A6FE-609BC777F59C}" type="datetime1">
               <a:rPr lang="en-US" smtClean="0"/>
-              <a:t>9/27/20</a:t>
+              <a:t>10/19/22</a:t>
             </a:fld>
             <a:endParaRPr lang="en-US"/>
           </a:p>
@@ -2311,7 +2311,7 @@
           <a:p>
             <a:fld id="{8CF19FEC-2E87-404D-A86C-ABD7A0A24F55}" type="datetime1">
               <a:rPr lang="en-US" smtClean="0"/>
-              <a:t>9/27/20</a:t>
+              <a:t>10/19/22</a:t>
             </a:fld>
             <a:endParaRPr lang="en-US"/>
           </a:p>
@@ -2576,7 +2576,7 @@
           <a:p>
             <a:fld id="{446EA608-0CB1-7045-BE57-7D86CEA40281}" type="datetime1">
               <a:rPr lang="en-US" smtClean="0"/>
-              <a:t>9/27/20</a:t>
+              <a:t>10/19/22</a:t>
             </a:fld>
             <a:endParaRPr lang="en-US"/>
           </a:p>
@@ -2988,7 +2988,7 @@
           <a:p>
             <a:fld id="{C727496E-E60B-0146-8488-196488F29A43}" type="datetime1">
               <a:rPr lang="en-US" smtClean="0"/>
-              <a:t>9/27/20</a:t>
+              <a:t>10/19/22</a:t>
             </a:fld>
             <a:endParaRPr lang="en-US"/>
           </a:p>
@@ -3129,7 +3129,7 @@
           <a:p>
             <a:fld id="{F546FB0E-EB75-9B48-A4BD-2C5B9A04751D}" type="datetime1">
               <a:rPr lang="en-US" smtClean="0"/>
-              <a:t>9/27/20</a:t>
+              <a:t>10/19/22</a:t>
             </a:fld>
             <a:endParaRPr lang="en-US"/>
           </a:p>
@@ -3242,7 +3242,7 @@
           <a:p>
             <a:fld id="{A456FF61-9A5E-1841-AE70-3D847B065C08}" type="datetime1">
               <a:rPr lang="en-US" smtClean="0"/>
-              <a:t>9/27/20</a:t>
+              <a:t>10/19/22</a:t>
             </a:fld>
             <a:endParaRPr lang="en-US"/>
           </a:p>
@@ -3553,7 +3553,7 @@
           <a:p>
             <a:fld id="{FE8A8F49-DF40-F949-8DE2-65B98C5FEDD7}" type="datetime1">
               <a:rPr lang="en-US" smtClean="0"/>
-              <a:t>9/27/20</a:t>
+              <a:t>10/19/22</a:t>
             </a:fld>
             <a:endParaRPr lang="en-US"/>
           </a:p>
@@ -3841,7 +3841,7 @@
           <a:p>
             <a:fld id="{A85EFE4E-DFE8-4C42-98CC-30B935E5C550}" type="datetime1">
               <a:rPr lang="en-US" smtClean="0"/>
-              <a:t>9/27/20</a:t>
+              <a:t>10/19/22</a:t>
             </a:fld>
             <a:endParaRPr lang="en-US"/>
           </a:p>
@@ -4082,7 +4082,7 @@
           <a:p>
             <a:fld id="{5A0C85FA-79DF-354D-A01A-3E5AA821AAF9}" type="datetime1">
               <a:rPr lang="en-US" smtClean="0"/>
-              <a:t>9/27/20</a:t>
+              <a:t>10/19/22</a:t>
             </a:fld>
             <a:endParaRPr lang="en-US"/>
           </a:p>
@@ -4527,7 +4527,7 @@
               <a:rPr lang="en-US" sz="2800" dirty="0">
                 <a:latin typeface="Garamond" panose="02020404030301010803" pitchFamily="18" charset="0"/>
               </a:rPr>
-              <a:t>INFO 656-01 Fall 2020</a:t>
+              <a:t>INFO 656-01 Fall 2022</a:t>
             </a:r>
             <a:br>
               <a:rPr lang="en-US" b="1" dirty="0">
@@ -4570,11 +4570,14 @@
           <a:lstStyle/>
           <a:p>
             <a:r>
-              <a:rPr lang="en-US" b="1" dirty="0">
+              <a:rPr lang="en-US" b="1">
                 <a:latin typeface="Garamond" panose="02020404030301010803" pitchFamily="18" charset="0"/>
               </a:rPr>
-              <a:t>Week 6</a:t>
-            </a:r>
+              <a:t>Week 8</a:t>
+            </a:r>
+            <a:endParaRPr lang="en-US" b="1" dirty="0">
+              <a:latin typeface="Garamond" panose="02020404030301010803" pitchFamily="18" charset="0"/>
+            </a:endParaRPr>
           </a:p>
           <a:p>
             <a:endParaRPr lang="en-US" dirty="0">
@@ -5333,7 +5336,7 @@
           <a:p>
             <a:r>
               <a:rPr lang="en-US" dirty="0"/>
-              <a:t>One paragraph, summary/purpose of the project (why, what, who)</a:t>
+              <a:t>One paragraph, summary/purpose of the project (what, why, who)</a:t>
             </a:r>
           </a:p>
           <a:p>
